--- a/slides/B04-SysIO.pptx
+++ b/slides/B04-SysIO.pptx
@@ -5,10 +5,10 @@
     <p:sldMasterId id="2147483648" r:id="rId1"/>
   </p:sldMasterIdLst>
   <p:notesMasterIdLst>
-    <p:notesMasterId r:id="rId57"/>
+    <p:notesMasterId r:id="rId60"/>
   </p:notesMasterIdLst>
   <p:handoutMasterIdLst>
-    <p:handoutMasterId r:id="rId58"/>
+    <p:handoutMasterId r:id="rId61"/>
   </p:handoutMasterIdLst>
   <p:sldIdLst>
     <p:sldId id="1626" r:id="rId2"/>
@@ -63,14 +63,17 @@
     <p:sldId id="1674" r:id="rId51"/>
     <p:sldId id="1675" r:id="rId52"/>
     <p:sldId id="1676" r:id="rId53"/>
-    <p:sldId id="1677" r:id="rId54"/>
-    <p:sldId id="1682" r:id="rId55"/>
-    <p:sldId id="1684" r:id="rId56"/>
+    <p:sldId id="1686" r:id="rId54"/>
+    <p:sldId id="1687" r:id="rId55"/>
+    <p:sldId id="1688" r:id="rId56"/>
+    <p:sldId id="1689" r:id="rId57"/>
+    <p:sldId id="1682" r:id="rId58"/>
+    <p:sldId id="1684" r:id="rId59"/>
   </p:sldIdLst>
   <p:sldSz cx="9144000" cy="6858000" type="screen4x3"/>
   <p:notesSz cx="7302500" cy="9586913"/>
   <p:custDataLst>
-    <p:tags r:id="rId59"/>
+    <p:tags r:id="rId62"/>
   </p:custDataLst>
   <p:defaultTextStyle>
     <a:defPPr>
@@ -3699,7 +3702,7 @@
     </p:spTree>
     <p:extLst>
       <p:ext uri="{BB962C8B-B14F-4D97-AF65-F5344CB8AC3E}">
-        <p14:creationId xmlns:p14="http://schemas.microsoft.com/office/powerpoint/2010/main" val="51894370"/>
+        <p14:creationId xmlns:p14="http://schemas.microsoft.com/office/powerpoint/2010/main" val="4105494371"/>
       </p:ext>
     </p:extLst>
   </p:cSld>
@@ -3728,7 +3731,7 @@
       </p:grpSpPr>
       <p:sp>
         <p:nvSpPr>
-          <p:cNvPr id="714754" name="Rectangle 2"/>
+          <p:cNvPr id="736258" name="Rectangle 2"/>
           <p:cNvSpPr>
             <a:spLocks noGrp="1" noRot="1" noChangeAspect="1" noChangeArrowheads="1" noTextEdit="1"/>
           </p:cNvSpPr>
@@ -3742,7 +3745,7 @@
       </p:sp>
       <p:sp>
         <p:nvSpPr>
-          <p:cNvPr id="714755" name="Rectangle 3"/>
+          <p:cNvPr id="736259" name="Rectangle 3"/>
           <p:cNvSpPr>
             <a:spLocks noGrp="1" noChangeArrowheads="1"/>
           </p:cNvSpPr>
@@ -3762,7 +3765,7 @@
     </p:spTree>
     <p:extLst>
       <p:ext uri="{BB962C8B-B14F-4D97-AF65-F5344CB8AC3E}">
-        <p14:creationId xmlns:p14="http://schemas.microsoft.com/office/powerpoint/2010/main" val="3273376068"/>
+        <p14:creationId xmlns:p14="http://schemas.microsoft.com/office/powerpoint/2010/main" val="1897606602"/>
       </p:ext>
     </p:extLst>
   </p:cSld>
@@ -3836,6 +3839,195 @@
 </file>
 
 <file path=ppt/notesSlides/notesSlide50.xml><?xml version="1.0" encoding="utf-8"?>
+<p:notes xmlns:a="http://schemas.openxmlformats.org/drawingml/2006/main" xmlns:r="http://schemas.openxmlformats.org/officeDocument/2006/relationships" xmlns:p="http://schemas.openxmlformats.org/presentationml/2006/main">
+  <p:cSld>
+    <p:spTree>
+      <p:nvGrpSpPr>
+        <p:cNvPr id="1" name=""/>
+        <p:cNvGrpSpPr/>
+        <p:nvPr/>
+      </p:nvGrpSpPr>
+      <p:grpSpPr>
+        <a:xfrm>
+          <a:off x="0" y="0"/>
+          <a:ext cx="0" cy="0"/>
+          <a:chOff x="0" y="0"/>
+          <a:chExt cx="0" cy="0"/>
+        </a:xfrm>
+      </p:grpSpPr>
+      <p:sp>
+        <p:nvSpPr>
+          <p:cNvPr id="740354" name="Rectangle 2"/>
+          <p:cNvSpPr>
+            <a:spLocks noGrp="1" noRot="1" noChangeAspect="1" noChangeArrowheads="1" noTextEdit="1"/>
+          </p:cNvSpPr>
+          <p:nvPr>
+            <p:ph type="sldImg"/>
+          </p:nvPr>
+        </p:nvSpPr>
+        <p:spPr>
+          <a:ln/>
+        </p:spPr>
+      </p:sp>
+      <p:sp>
+        <p:nvSpPr>
+          <p:cNvPr id="740355" name="Rectangle 3"/>
+          <p:cNvSpPr>
+            <a:spLocks noGrp="1" noChangeArrowheads="1"/>
+          </p:cNvSpPr>
+          <p:nvPr>
+            <p:ph type="body" idx="1"/>
+          </p:nvPr>
+        </p:nvSpPr>
+        <p:spPr/>
+        <p:txBody>
+          <a:bodyPr/>
+          <a:lstStyle/>
+          <a:p>
+            <a:endParaRPr lang="en-US"/>
+          </a:p>
+        </p:txBody>
+      </p:sp>
+    </p:spTree>
+    <p:extLst>
+      <p:ext uri="{BB962C8B-B14F-4D97-AF65-F5344CB8AC3E}">
+        <p14:creationId xmlns:p14="http://schemas.microsoft.com/office/powerpoint/2010/main" val="3572537215"/>
+      </p:ext>
+    </p:extLst>
+  </p:cSld>
+  <p:clrMapOvr>
+    <a:masterClrMapping/>
+  </p:clrMapOvr>
+</p:notes>
+</file>
+
+<file path=ppt/notesSlides/notesSlide51.xml><?xml version="1.0" encoding="utf-8"?>
+<p:notes xmlns:a="http://schemas.openxmlformats.org/drawingml/2006/main" xmlns:r="http://schemas.openxmlformats.org/officeDocument/2006/relationships" xmlns:p="http://schemas.openxmlformats.org/presentationml/2006/main">
+  <p:cSld>
+    <p:spTree>
+      <p:nvGrpSpPr>
+        <p:cNvPr id="1" name=""/>
+        <p:cNvGrpSpPr/>
+        <p:nvPr/>
+      </p:nvGrpSpPr>
+      <p:grpSpPr>
+        <a:xfrm>
+          <a:off x="0" y="0"/>
+          <a:ext cx="0" cy="0"/>
+          <a:chOff x="0" y="0"/>
+          <a:chExt cx="0" cy="0"/>
+        </a:xfrm>
+      </p:grpSpPr>
+      <p:sp>
+        <p:nvSpPr>
+          <p:cNvPr id="738306" name="Rectangle 2"/>
+          <p:cNvSpPr>
+            <a:spLocks noGrp="1" noRot="1" noChangeAspect="1" noChangeArrowheads="1" noTextEdit="1"/>
+          </p:cNvSpPr>
+          <p:nvPr>
+            <p:ph type="sldImg"/>
+          </p:nvPr>
+        </p:nvSpPr>
+        <p:spPr>
+          <a:ln/>
+        </p:spPr>
+      </p:sp>
+      <p:sp>
+        <p:nvSpPr>
+          <p:cNvPr id="738307" name="Rectangle 3"/>
+          <p:cNvSpPr>
+            <a:spLocks noGrp="1" noChangeArrowheads="1"/>
+          </p:cNvSpPr>
+          <p:nvPr>
+            <p:ph type="body" idx="1"/>
+          </p:nvPr>
+        </p:nvSpPr>
+        <p:spPr/>
+        <p:txBody>
+          <a:bodyPr/>
+          <a:lstStyle/>
+          <a:p>
+            <a:endParaRPr lang="en-US"/>
+          </a:p>
+        </p:txBody>
+      </p:sp>
+    </p:spTree>
+    <p:extLst>
+      <p:ext uri="{BB962C8B-B14F-4D97-AF65-F5344CB8AC3E}">
+        <p14:creationId xmlns:p14="http://schemas.microsoft.com/office/powerpoint/2010/main" val="966403791"/>
+      </p:ext>
+    </p:extLst>
+  </p:cSld>
+  <p:clrMapOvr>
+    <a:masterClrMapping/>
+  </p:clrMapOvr>
+</p:notes>
+</file>
+
+<file path=ppt/notesSlides/notesSlide52.xml><?xml version="1.0" encoding="utf-8"?>
+<p:notes xmlns:a="http://schemas.openxmlformats.org/drawingml/2006/main" xmlns:r="http://schemas.openxmlformats.org/officeDocument/2006/relationships" xmlns:p="http://schemas.openxmlformats.org/presentationml/2006/main">
+  <p:cSld>
+    <p:spTree>
+      <p:nvGrpSpPr>
+        <p:cNvPr id="1" name=""/>
+        <p:cNvGrpSpPr/>
+        <p:nvPr/>
+      </p:nvGrpSpPr>
+      <p:grpSpPr>
+        <a:xfrm>
+          <a:off x="0" y="0"/>
+          <a:ext cx="0" cy="0"/>
+          <a:chOff x="0" y="0"/>
+          <a:chExt cx="0" cy="0"/>
+        </a:xfrm>
+      </p:grpSpPr>
+      <p:sp>
+        <p:nvSpPr>
+          <p:cNvPr id="714754" name="Rectangle 2"/>
+          <p:cNvSpPr>
+            <a:spLocks noGrp="1" noRot="1" noChangeAspect="1" noChangeArrowheads="1" noTextEdit="1"/>
+          </p:cNvSpPr>
+          <p:nvPr>
+            <p:ph type="sldImg"/>
+          </p:nvPr>
+        </p:nvSpPr>
+        <p:spPr>
+          <a:ln/>
+        </p:spPr>
+      </p:sp>
+      <p:sp>
+        <p:nvSpPr>
+          <p:cNvPr id="714755" name="Rectangle 3"/>
+          <p:cNvSpPr>
+            <a:spLocks noGrp="1" noChangeArrowheads="1"/>
+          </p:cNvSpPr>
+          <p:nvPr>
+            <p:ph type="body" idx="1"/>
+          </p:nvPr>
+        </p:nvSpPr>
+        <p:spPr/>
+        <p:txBody>
+          <a:bodyPr/>
+          <a:lstStyle/>
+          <a:p>
+            <a:endParaRPr lang="en-US"/>
+          </a:p>
+        </p:txBody>
+      </p:sp>
+    </p:spTree>
+    <p:extLst>
+      <p:ext uri="{BB962C8B-B14F-4D97-AF65-F5344CB8AC3E}">
+        <p14:creationId xmlns:p14="http://schemas.microsoft.com/office/powerpoint/2010/main" val="3273376068"/>
+      </p:ext>
+    </p:extLst>
+  </p:cSld>
+  <p:clrMapOvr>
+    <a:masterClrMapping/>
+  </p:clrMapOvr>
+</p:notes>
+</file>
+
+<file path=ppt/notesSlides/notesSlide53.xml><?xml version="1.0" encoding="utf-8"?>
 <p:notes xmlns:a="http://schemas.openxmlformats.org/drawingml/2006/main" xmlns:r="http://schemas.openxmlformats.org/officeDocument/2006/relationships" xmlns:p="http://schemas.openxmlformats.org/presentationml/2006/main">
   <p:cSld>
     <p:spTree>
@@ -7261,11 +7453,7 @@
             </a:br>
             <a:r>
               <a:rPr lang="en-US" sz="2000" b="0" dirty="0" smtClean="0"/>
-              <a:t>Introduction </a:t>
-            </a:r>
-            <a:r>
-              <a:rPr lang="en-US" sz="2000" b="0" dirty="0" smtClean="0"/>
-              <a:t>to Computer Systems	</a:t>
+              <a:t>Introduction to Computer Systems	</a:t>
             </a:r>
           </a:p>
         </p:txBody>
@@ -7449,7 +7637,7 @@
                 <a:latin typeface="Courier New"/>
                 <a:cs typeface="Courier New"/>
               </a:rPr>
-              <a:t>../home/</a:t>
+              <a:t>../</a:t>
             </a:r>
             <a:r>
               <a:rPr lang="en-US" b="1" dirty="0" err="1" smtClean="0">
@@ -8235,14 +8423,14 @@
           <a:effectLst/>
           <a:extLst>
             <a:ext uri="{909E8E84-426E-40dd-AFC4-6F175D3DCCD1}">
-              <a14:hiddenFill xmlns:a14="http://schemas.microsoft.com/office/drawing/2010/main" xmlns="">
+              <a14:hiddenFill xmlns="" xmlns:a14="http://schemas.microsoft.com/office/drawing/2010/main">
                 <a:solidFill>
                   <a:schemeClr val="bg1"/>
                 </a:solidFill>
               </a14:hiddenFill>
             </a:ext>
             <a:ext uri="{AF507438-7753-43e0-B8FC-AC1667EBCBE1}">
-              <a14:hiddenEffects xmlns:a14="http://schemas.microsoft.com/office/drawing/2010/main" xmlns="">
+              <a14:hiddenEffects xmlns="" xmlns:a14="http://schemas.microsoft.com/office/drawing/2010/main">
                 <a:effectLst>
                   <a:outerShdw blurRad="63500" dist="35921" dir="2700000" algn="ctr" rotWithShape="0">
                     <a:schemeClr val="bg2"/>
@@ -8283,14 +8471,14 @@
           <a:effectLst/>
           <a:extLst>
             <a:ext uri="{909E8E84-426E-40dd-AFC4-6F175D3DCCD1}">
-              <a14:hiddenFill xmlns:a14="http://schemas.microsoft.com/office/drawing/2010/main" xmlns="">
+              <a14:hiddenFill xmlns="" xmlns:a14="http://schemas.microsoft.com/office/drawing/2010/main">
                 <a:solidFill>
                   <a:schemeClr val="bg1"/>
                 </a:solidFill>
               </a14:hiddenFill>
             </a:ext>
             <a:ext uri="{AF507438-7753-43e0-B8FC-AC1667EBCBE1}">
-              <a14:hiddenEffects xmlns:a14="http://schemas.microsoft.com/office/drawing/2010/main" xmlns="">
+              <a14:hiddenEffects xmlns="" xmlns:a14="http://schemas.microsoft.com/office/drawing/2010/main">
                 <a:effectLst>
                   <a:outerShdw blurRad="63500" dist="35921" dir="2700000" algn="ctr" rotWithShape="0">
                     <a:schemeClr val="bg2"/>
@@ -8331,14 +8519,14 @@
           <a:effectLst/>
           <a:extLst>
             <a:ext uri="{909E8E84-426E-40dd-AFC4-6F175D3DCCD1}">
-              <a14:hiddenFill xmlns:a14="http://schemas.microsoft.com/office/drawing/2010/main" xmlns="">
+              <a14:hiddenFill xmlns="" xmlns:a14="http://schemas.microsoft.com/office/drawing/2010/main">
                 <a:solidFill>
                   <a:schemeClr val="bg1"/>
                 </a:solidFill>
               </a14:hiddenFill>
             </a:ext>
             <a:ext uri="{AF507438-7753-43e0-B8FC-AC1667EBCBE1}">
-              <a14:hiddenEffects xmlns:a14="http://schemas.microsoft.com/office/drawing/2010/main" xmlns="">
+              <a14:hiddenEffects xmlns="" xmlns:a14="http://schemas.microsoft.com/office/drawing/2010/main">
                 <a:effectLst>
                   <a:outerShdw blurRad="63500" dist="35921" dir="2700000" algn="ctr" rotWithShape="0">
                     <a:schemeClr val="bg2"/>
@@ -8379,14 +8567,14 @@
           <a:effectLst/>
           <a:extLst>
             <a:ext uri="{909E8E84-426E-40dd-AFC4-6F175D3DCCD1}">
-              <a14:hiddenFill xmlns:a14="http://schemas.microsoft.com/office/drawing/2010/main" xmlns="">
+              <a14:hiddenFill xmlns="" xmlns:a14="http://schemas.microsoft.com/office/drawing/2010/main">
                 <a:solidFill>
                   <a:schemeClr val="bg1"/>
                 </a:solidFill>
               </a14:hiddenFill>
             </a:ext>
             <a:ext uri="{AF507438-7753-43e0-B8FC-AC1667EBCBE1}">
-              <a14:hiddenEffects xmlns:a14="http://schemas.microsoft.com/office/drawing/2010/main" xmlns="">
+              <a14:hiddenEffects xmlns="" xmlns:a14="http://schemas.microsoft.com/office/drawing/2010/main">
                 <a:effectLst>
                   <a:outerShdw blurRad="63500" dist="35921" dir="2700000" algn="ctr" rotWithShape="0">
                     <a:schemeClr val="bg2"/>
@@ -8427,14 +8615,14 @@
           <a:effectLst/>
           <a:extLst>
             <a:ext uri="{909E8E84-426E-40dd-AFC4-6F175D3DCCD1}">
-              <a14:hiddenFill xmlns:a14="http://schemas.microsoft.com/office/drawing/2010/main" xmlns="">
+              <a14:hiddenFill xmlns="" xmlns:a14="http://schemas.microsoft.com/office/drawing/2010/main">
                 <a:solidFill>
                   <a:schemeClr val="bg1"/>
                 </a:solidFill>
               </a14:hiddenFill>
             </a:ext>
             <a:ext uri="{AF507438-7753-43e0-B8FC-AC1667EBCBE1}">
-              <a14:hiddenEffects xmlns:a14="http://schemas.microsoft.com/office/drawing/2010/main" xmlns="">
+              <a14:hiddenEffects xmlns="" xmlns:a14="http://schemas.microsoft.com/office/drawing/2010/main">
                 <a:effectLst>
                   <a:outerShdw blurRad="63500" dist="35921" dir="2700000" algn="ctr" rotWithShape="0">
                     <a:schemeClr val="bg2"/>
@@ -8475,14 +8663,14 @@
           <a:effectLst/>
           <a:extLst>
             <a:ext uri="{909E8E84-426E-40dd-AFC4-6F175D3DCCD1}">
-              <a14:hiddenFill xmlns:a14="http://schemas.microsoft.com/office/drawing/2010/main" xmlns="">
+              <a14:hiddenFill xmlns="" xmlns:a14="http://schemas.microsoft.com/office/drawing/2010/main">
                 <a:solidFill>
                   <a:schemeClr val="bg1"/>
                 </a:solidFill>
               </a14:hiddenFill>
             </a:ext>
             <a:ext uri="{AF507438-7753-43e0-B8FC-AC1667EBCBE1}">
-              <a14:hiddenEffects xmlns:a14="http://schemas.microsoft.com/office/drawing/2010/main" xmlns="">
+              <a14:hiddenEffects xmlns="" xmlns:a14="http://schemas.microsoft.com/office/drawing/2010/main">
                 <a:effectLst>
                   <a:outerShdw blurRad="63500" dist="35921" dir="2700000" algn="ctr" rotWithShape="0">
                     <a:schemeClr val="bg2"/>
@@ -8523,14 +8711,14 @@
           <a:effectLst/>
           <a:extLst>
             <a:ext uri="{909E8E84-426E-40dd-AFC4-6F175D3DCCD1}">
-              <a14:hiddenFill xmlns:a14="http://schemas.microsoft.com/office/drawing/2010/main" xmlns="">
+              <a14:hiddenFill xmlns="" xmlns:a14="http://schemas.microsoft.com/office/drawing/2010/main">
                 <a:solidFill>
                   <a:schemeClr val="bg1"/>
                 </a:solidFill>
               </a14:hiddenFill>
             </a:ext>
             <a:ext uri="{AF507438-7753-43e0-B8FC-AC1667EBCBE1}">
-              <a14:hiddenEffects xmlns:a14="http://schemas.microsoft.com/office/drawing/2010/main" xmlns="">
+              <a14:hiddenEffects xmlns="" xmlns:a14="http://schemas.microsoft.com/office/drawing/2010/main">
                 <a:effectLst>
                   <a:outerShdw blurRad="63500" dist="35921" dir="2700000" algn="ctr" rotWithShape="0">
                     <a:schemeClr val="bg2"/>
@@ -8570,14 +8758,14 @@
           <a:effectLst/>
           <a:extLst>
             <a:ext uri="{909E8E84-426E-40dd-AFC4-6F175D3DCCD1}">
-              <a14:hiddenFill xmlns:a14="http://schemas.microsoft.com/office/drawing/2010/main" xmlns="">
+              <a14:hiddenFill xmlns="" xmlns:a14="http://schemas.microsoft.com/office/drawing/2010/main">
                 <a:solidFill>
                   <a:schemeClr val="bg1"/>
                 </a:solidFill>
               </a14:hiddenFill>
             </a:ext>
             <a:ext uri="{AF507438-7753-43e0-B8FC-AC1667EBCBE1}">
-              <a14:hiddenEffects xmlns:a14="http://schemas.microsoft.com/office/drawing/2010/main" xmlns="">
+              <a14:hiddenEffects xmlns="" xmlns:a14="http://schemas.microsoft.com/office/drawing/2010/main">
                 <a:effectLst>
                   <a:outerShdw blurRad="63500" dist="35921" dir="2700000" algn="ctr" rotWithShape="0">
                     <a:schemeClr val="bg2"/>
@@ -8618,14 +8806,14 @@
           <a:effectLst/>
           <a:extLst>
             <a:ext uri="{909E8E84-426E-40dd-AFC4-6F175D3DCCD1}">
-              <a14:hiddenFill xmlns:a14="http://schemas.microsoft.com/office/drawing/2010/main" xmlns="">
+              <a14:hiddenFill xmlns="" xmlns:a14="http://schemas.microsoft.com/office/drawing/2010/main">
                 <a:solidFill>
                   <a:schemeClr val="bg1"/>
                 </a:solidFill>
               </a14:hiddenFill>
             </a:ext>
             <a:ext uri="{AF507438-7753-43e0-B8FC-AC1667EBCBE1}">
-              <a14:hiddenEffects xmlns:a14="http://schemas.microsoft.com/office/drawing/2010/main" xmlns="">
+              <a14:hiddenEffects xmlns="" xmlns:a14="http://schemas.microsoft.com/office/drawing/2010/main">
                 <a:effectLst>
                   <a:outerShdw blurRad="63500" dist="35921" dir="2700000" algn="ctr" rotWithShape="0">
                     <a:schemeClr val="bg2"/>
@@ -8666,14 +8854,14 @@
           <a:effectLst/>
           <a:extLst>
             <a:ext uri="{909E8E84-426E-40dd-AFC4-6F175D3DCCD1}">
-              <a14:hiddenFill xmlns:a14="http://schemas.microsoft.com/office/drawing/2010/main" xmlns="">
+              <a14:hiddenFill xmlns="" xmlns:a14="http://schemas.microsoft.com/office/drawing/2010/main">
                 <a:solidFill>
                   <a:schemeClr val="bg1"/>
                 </a:solidFill>
               </a14:hiddenFill>
             </a:ext>
             <a:ext uri="{AF507438-7753-43e0-B8FC-AC1667EBCBE1}">
-              <a14:hiddenEffects xmlns:a14="http://schemas.microsoft.com/office/drawing/2010/main" xmlns="">
+              <a14:hiddenEffects xmlns="" xmlns:a14="http://schemas.microsoft.com/office/drawing/2010/main">
                 <a:effectLst>
                   <a:outerShdw blurRad="63500" dist="35921" dir="2700000" algn="ctr" rotWithShape="0">
                     <a:schemeClr val="bg2"/>
@@ -8714,14 +8902,14 @@
           <a:effectLst/>
           <a:extLst>
             <a:ext uri="{909E8E84-426E-40dd-AFC4-6F175D3DCCD1}">
-              <a14:hiddenFill xmlns:a14="http://schemas.microsoft.com/office/drawing/2010/main" xmlns="">
+              <a14:hiddenFill xmlns="" xmlns:a14="http://schemas.microsoft.com/office/drawing/2010/main">
                 <a:solidFill>
                   <a:schemeClr val="bg1"/>
                 </a:solidFill>
               </a14:hiddenFill>
             </a:ext>
             <a:ext uri="{AF507438-7753-43e0-B8FC-AC1667EBCBE1}">
-              <a14:hiddenEffects xmlns:a14="http://schemas.microsoft.com/office/drawing/2010/main" xmlns="">
+              <a14:hiddenEffects xmlns="" xmlns:a14="http://schemas.microsoft.com/office/drawing/2010/main">
                 <a:effectLst>
                   <a:outerShdw blurRad="63500" dist="35921" dir="2700000" algn="ctr" rotWithShape="0">
                     <a:schemeClr val="bg2"/>
@@ -8762,14 +8950,14 @@
           <a:effectLst/>
           <a:extLst>
             <a:ext uri="{909E8E84-426E-40dd-AFC4-6F175D3DCCD1}">
-              <a14:hiddenFill xmlns:a14="http://schemas.microsoft.com/office/drawing/2010/main" xmlns="">
+              <a14:hiddenFill xmlns="" xmlns:a14="http://schemas.microsoft.com/office/drawing/2010/main">
                 <a:solidFill>
                   <a:schemeClr val="bg1"/>
                 </a:solidFill>
               </a14:hiddenFill>
             </a:ext>
             <a:ext uri="{AF507438-7753-43e0-B8FC-AC1667EBCBE1}">
-              <a14:hiddenEffects xmlns:a14="http://schemas.microsoft.com/office/drawing/2010/main" xmlns="">
+              <a14:hiddenEffects xmlns="" xmlns:a14="http://schemas.microsoft.com/office/drawing/2010/main">
                 <a:effectLst>
                   <a:outerShdw blurRad="63500" dist="35921" dir="2700000" algn="ctr" rotWithShape="0">
                     <a:schemeClr val="bg2"/>
@@ -8810,14 +8998,14 @@
           <a:effectLst/>
           <a:extLst>
             <a:ext uri="{909E8E84-426E-40dd-AFC4-6F175D3DCCD1}">
-              <a14:hiddenFill xmlns:a14="http://schemas.microsoft.com/office/drawing/2010/main" xmlns="">
+              <a14:hiddenFill xmlns="" xmlns:a14="http://schemas.microsoft.com/office/drawing/2010/main">
                 <a:solidFill>
                   <a:schemeClr val="bg1"/>
                 </a:solidFill>
               </a14:hiddenFill>
             </a:ext>
             <a:ext uri="{AF507438-7753-43e0-B8FC-AC1667EBCBE1}">
-              <a14:hiddenEffects xmlns:a14="http://schemas.microsoft.com/office/drawing/2010/main" xmlns="">
+              <a14:hiddenEffects xmlns="" xmlns:a14="http://schemas.microsoft.com/office/drawing/2010/main">
                 <a:effectLst>
                   <a:outerShdw blurRad="63500" dist="35921" dir="2700000" algn="ctr" rotWithShape="0">
                     <a:schemeClr val="bg2"/>
@@ -8858,14 +9046,14 @@
           <a:effectLst/>
           <a:extLst>
             <a:ext uri="{909E8E84-426E-40dd-AFC4-6F175D3DCCD1}">
-              <a14:hiddenFill xmlns:a14="http://schemas.microsoft.com/office/drawing/2010/main" xmlns="">
+              <a14:hiddenFill xmlns="" xmlns:a14="http://schemas.microsoft.com/office/drawing/2010/main">
                 <a:solidFill>
                   <a:schemeClr val="bg1"/>
                 </a:solidFill>
               </a14:hiddenFill>
             </a:ext>
             <a:ext uri="{AF507438-7753-43e0-B8FC-AC1667EBCBE1}">
-              <a14:hiddenEffects xmlns:a14="http://schemas.microsoft.com/office/drawing/2010/main" xmlns="">
+              <a14:hiddenEffects xmlns="" xmlns:a14="http://schemas.microsoft.com/office/drawing/2010/main">
                 <a:effectLst>
                   <a:outerShdw blurRad="63500" dist="35921" dir="2700000" algn="ctr" rotWithShape="0">
                     <a:schemeClr val="bg2"/>
@@ -8906,14 +9094,14 @@
           <a:effectLst/>
           <a:extLst>
             <a:ext uri="{909E8E84-426E-40dd-AFC4-6F175D3DCCD1}">
-              <a14:hiddenFill xmlns:a14="http://schemas.microsoft.com/office/drawing/2010/main" xmlns="">
+              <a14:hiddenFill xmlns="" xmlns:a14="http://schemas.microsoft.com/office/drawing/2010/main">
                 <a:solidFill>
                   <a:schemeClr val="bg1"/>
                 </a:solidFill>
               </a14:hiddenFill>
             </a:ext>
             <a:ext uri="{AF507438-7753-43e0-B8FC-AC1667EBCBE1}">
-              <a14:hiddenEffects xmlns:a14="http://schemas.microsoft.com/office/drawing/2010/main" xmlns="">
+              <a14:hiddenEffects xmlns="" xmlns:a14="http://schemas.microsoft.com/office/drawing/2010/main">
                 <a:effectLst>
                   <a:outerShdw blurRad="63500" dist="35921" dir="2700000" algn="ctr" rotWithShape="0">
                     <a:schemeClr val="bg2"/>
@@ -8954,14 +9142,14 @@
           <a:effectLst/>
           <a:extLst>
             <a:ext uri="{909E8E84-426E-40dd-AFC4-6F175D3DCCD1}">
-              <a14:hiddenFill xmlns:a14="http://schemas.microsoft.com/office/drawing/2010/main" xmlns="">
+              <a14:hiddenFill xmlns="" xmlns:a14="http://schemas.microsoft.com/office/drawing/2010/main">
                 <a:solidFill>
                   <a:schemeClr val="bg1"/>
                 </a:solidFill>
               </a14:hiddenFill>
             </a:ext>
             <a:ext uri="{AF507438-7753-43e0-B8FC-AC1667EBCBE1}">
-              <a14:hiddenEffects xmlns:a14="http://schemas.microsoft.com/office/drawing/2010/main" xmlns="">
+              <a14:hiddenEffects xmlns="" xmlns:a14="http://schemas.microsoft.com/office/drawing/2010/main">
                 <a:effectLst>
                   <a:outerShdw blurRad="63500" dist="35921" dir="2700000" algn="ctr" rotWithShape="0">
                     <a:schemeClr val="bg2"/>
@@ -9002,14 +9190,14 @@
           <a:effectLst/>
           <a:extLst>
             <a:ext uri="{909E8E84-426E-40dd-AFC4-6F175D3DCCD1}">
-              <a14:hiddenFill xmlns:a14="http://schemas.microsoft.com/office/drawing/2010/main" xmlns="">
+              <a14:hiddenFill xmlns="" xmlns:a14="http://schemas.microsoft.com/office/drawing/2010/main">
                 <a:solidFill>
                   <a:schemeClr val="bg1"/>
                 </a:solidFill>
               </a14:hiddenFill>
             </a:ext>
             <a:ext uri="{AF507438-7753-43e0-B8FC-AC1667EBCBE1}">
-              <a14:hiddenEffects xmlns:a14="http://schemas.microsoft.com/office/drawing/2010/main" xmlns="">
+              <a14:hiddenEffects xmlns="" xmlns:a14="http://schemas.microsoft.com/office/drawing/2010/main">
                 <a:effectLst>
                   <a:outerShdw blurRad="63500" dist="35921" dir="2700000" algn="ctr" rotWithShape="0">
                     <a:schemeClr val="bg2"/>
@@ -9050,14 +9238,14 @@
           <a:effectLst/>
           <a:extLst>
             <a:ext uri="{909E8E84-426E-40dd-AFC4-6F175D3DCCD1}">
-              <a14:hiddenFill xmlns:a14="http://schemas.microsoft.com/office/drawing/2010/main" xmlns="">
+              <a14:hiddenFill xmlns="" xmlns:a14="http://schemas.microsoft.com/office/drawing/2010/main">
                 <a:solidFill>
                   <a:schemeClr val="bg1"/>
                 </a:solidFill>
               </a14:hiddenFill>
             </a:ext>
             <a:ext uri="{AF507438-7753-43e0-B8FC-AC1667EBCBE1}">
-              <a14:hiddenEffects xmlns:a14="http://schemas.microsoft.com/office/drawing/2010/main" xmlns="">
+              <a14:hiddenEffects xmlns="" xmlns:a14="http://schemas.microsoft.com/office/drawing/2010/main">
                 <a:effectLst>
                   <a:outerShdw blurRad="63500" dist="35921" dir="2700000" algn="ctr" rotWithShape="0">
                     <a:schemeClr val="bg2"/>
@@ -14100,7 +14288,7 @@
         </p:nvSpPr>
         <p:spPr bwMode="auto">
           <a:xfrm>
-            <a:off x="4876801" y="1143000"/>
+            <a:off x="4863089" y="971877"/>
             <a:ext cx="4114800" cy="1815882"/>
           </a:xfrm>
           <a:prstGeom prst="rect">
@@ -35687,7 +35875,12 @@
             <p:ph type="title"/>
           </p:nvPr>
         </p:nvSpPr>
-        <p:spPr/>
+        <p:spPr>
+          <a:xfrm>
+            <a:off x="357018" y="435678"/>
+            <a:ext cx="8253582" cy="762000"/>
+          </a:xfrm>
+        </p:spPr>
         <p:txBody>
           <a:bodyPr/>
           <a:lstStyle/>
@@ -46314,18 +46507,36 @@
         </p:nvSpPr>
         <p:spPr>
           <a:xfrm>
-            <a:off x="228600" y="1362074"/>
-            <a:ext cx="9067800" cy="5495925"/>
+            <a:off x="396874" y="1600199"/>
+            <a:ext cx="8289925" cy="4495801"/>
           </a:xfrm>
         </p:spPr>
         <p:txBody>
           <a:bodyPr/>
           <a:lstStyle/>
           <a:p>
-            <a:pPr marL="0" indent="0">
-              <a:buNone/>
-            </a:pPr>
-            <a:endParaRPr lang="en-US" dirty="0" smtClean="0"/>
+            <a:r>
+              <a:rPr lang="en-US" dirty="0" smtClean="0"/>
+              <a:t>Binary </a:t>
+            </a:r>
+            <a:r>
+              <a:rPr lang="en-US" dirty="0" smtClean="0"/>
+              <a:t>File</a:t>
+            </a:r>
+          </a:p>
+          <a:p>
+            <a:pPr lvl="1"/>
+            <a:r>
+              <a:rPr lang="en-US" dirty="0" smtClean="0"/>
+              <a:t>Sequence of arbitrary bytes</a:t>
+            </a:r>
+          </a:p>
+          <a:p>
+            <a:pPr lvl="1"/>
+            <a:r>
+              <a:rPr lang="en-US" dirty="0" smtClean="0"/>
+              <a:t>Including byte value 0x00</a:t>
+            </a:r>
           </a:p>
           <a:p>
             <a:r>
@@ -46560,7 +46771,7 @@
     </p:spTree>
     <p:extLst>
       <p:ext uri="{BB962C8B-B14F-4D97-AF65-F5344CB8AC3E}">
-        <p14:creationId xmlns:p14="http://schemas.microsoft.com/office/powerpoint/2010/main" val="761796263"/>
+        <p14:creationId xmlns:p14="http://schemas.microsoft.com/office/powerpoint/2010/main" val="724044048"/>
       </p:ext>
     </p:extLst>
   </p:cSld>
@@ -46597,6 +46808,995 @@
       </p:grpSpPr>
       <p:sp>
         <p:nvSpPr>
+          <p:cNvPr id="735234" name="Rectangle 2"/>
+          <p:cNvSpPr>
+            <a:spLocks noGrp="1" noChangeArrowheads="1"/>
+          </p:cNvSpPr>
+          <p:nvPr>
+            <p:ph type="title"/>
+          </p:nvPr>
+        </p:nvSpPr>
+        <p:spPr>
+          <a:xfrm>
+            <a:off x="408907" y="457200"/>
+            <a:ext cx="7592093" cy="762000"/>
+          </a:xfrm>
+        </p:spPr>
+        <p:txBody>
+          <a:bodyPr/>
+          <a:lstStyle/>
+          <a:p>
+            <a:r>
+              <a:rPr lang="en-US"/>
+              <a:t>Fun with File Descriptors (1)</a:t>
+            </a:r>
+          </a:p>
+        </p:txBody>
+      </p:sp>
+      <p:sp>
+        <p:nvSpPr>
+          <p:cNvPr id="735235" name="Rectangle 3"/>
+          <p:cNvSpPr>
+            <a:spLocks noGrp="1" noChangeArrowheads="1"/>
+          </p:cNvSpPr>
+          <p:nvPr>
+            <p:ph type="body" idx="1"/>
+          </p:nvPr>
+        </p:nvSpPr>
+        <p:spPr>
+          <a:xfrm>
+            <a:off x="455612" y="5546124"/>
+            <a:ext cx="8307388" cy="533400"/>
+          </a:xfrm>
+        </p:spPr>
+        <p:txBody>
+          <a:bodyPr/>
+          <a:lstStyle/>
+          <a:p>
+            <a:r>
+              <a:rPr lang="en-US" dirty="0"/>
+              <a:t>What would this program print for file containing “</a:t>
+            </a:r>
+            <a:r>
+              <a:rPr lang="en-US" dirty="0" err="1"/>
+              <a:t>abcde</a:t>
+            </a:r>
+            <a:r>
+              <a:rPr lang="en-US" dirty="0"/>
+              <a:t>”?</a:t>
+            </a:r>
+          </a:p>
+          <a:p>
+            <a:endParaRPr lang="en-US" dirty="0"/>
+          </a:p>
+        </p:txBody>
+      </p:sp>
+      <p:sp>
+        <p:nvSpPr>
+          <p:cNvPr id="735236" name="Text Box 4"/>
+          <p:cNvSpPr txBox="1">
+            <a:spLocks noChangeArrowheads="1"/>
+          </p:cNvSpPr>
+          <p:nvPr/>
+        </p:nvSpPr>
+        <p:spPr bwMode="auto">
+          <a:xfrm>
+            <a:off x="533400" y="1295400"/>
+            <a:ext cx="6849952" cy="4031873"/>
+          </a:xfrm>
+          <a:prstGeom prst="rect">
+            <a:avLst/>
+          </a:prstGeom>
+          <a:solidFill>
+            <a:srgbClr val="F6F5BD"/>
+          </a:solidFill>
+          <a:ln w="12700">
+            <a:solidFill>
+              <a:schemeClr val="tx2"/>
+            </a:solidFill>
+            <a:miter lim="800000"/>
+            <a:headEnd/>
+            <a:tailEnd type="none" w="sm" len="sm"/>
+          </a:ln>
+          <a:effectLst/>
+        </p:spPr>
+        <p:txBody>
+          <a:bodyPr wrap="none" lIns="45720" rIns="45720">
+            <a:spAutoFit/>
+          </a:bodyPr>
+          <a:lstStyle/>
+          <a:p>
+            <a:r>
+              <a:rPr lang="en-US" sz="1600" dirty="0">
+                <a:latin typeface="Courier New" pitchFamily="49" charset="0"/>
+              </a:rPr>
+              <a:t>#include "csapp.h"</a:t>
+            </a:r>
+          </a:p>
+          <a:p>
+            <a:r>
+              <a:rPr lang="en-US" sz="1600" dirty="0">
+                <a:latin typeface="Courier New" pitchFamily="49" charset="0"/>
+              </a:rPr>
+              <a:t>int main(int argc, char *argv[])</a:t>
+            </a:r>
+          </a:p>
+          <a:p>
+            <a:r>
+              <a:rPr lang="en-US" sz="1600" dirty="0">
+                <a:latin typeface="Courier New" pitchFamily="49" charset="0"/>
+              </a:rPr>
+              <a:t>{</a:t>
+            </a:r>
+          </a:p>
+          <a:p>
+            <a:r>
+              <a:rPr lang="en-US" sz="1600" dirty="0">
+                <a:latin typeface="Courier New" pitchFamily="49" charset="0"/>
+              </a:rPr>
+              <a:t>    int fd1, fd2, fd3;</a:t>
+            </a:r>
+          </a:p>
+          <a:p>
+            <a:r>
+              <a:rPr lang="en-US" sz="1600" dirty="0">
+                <a:latin typeface="Courier New" pitchFamily="49" charset="0"/>
+              </a:rPr>
+              <a:t>    char c1, c2, c3;</a:t>
+            </a:r>
+          </a:p>
+          <a:p>
+            <a:r>
+              <a:rPr lang="en-US" sz="1600" dirty="0">
+                <a:latin typeface="Courier New" pitchFamily="49" charset="0"/>
+              </a:rPr>
+              <a:t>    char *fname = argv[1];</a:t>
+            </a:r>
+          </a:p>
+          <a:p>
+            <a:r>
+              <a:rPr lang="en-US" sz="1600" dirty="0">
+                <a:latin typeface="Courier New" pitchFamily="49" charset="0"/>
+              </a:rPr>
+              <a:t>    fd1 = Open(fname, O_RDONLY, 0);</a:t>
+            </a:r>
+          </a:p>
+          <a:p>
+            <a:r>
+              <a:rPr lang="en-US" sz="1600" dirty="0">
+                <a:latin typeface="Courier New" pitchFamily="49" charset="0"/>
+              </a:rPr>
+              <a:t>    fd2 = Open(fname, O_RDONLY, 0);</a:t>
+            </a:r>
+          </a:p>
+          <a:p>
+            <a:r>
+              <a:rPr lang="en-US" sz="1600" dirty="0">
+                <a:latin typeface="Courier New" pitchFamily="49" charset="0"/>
+              </a:rPr>
+              <a:t>    fd3 = Open(fname, O_RDONLY, 0);</a:t>
+            </a:r>
+          </a:p>
+          <a:p>
+            <a:r>
+              <a:rPr lang="en-US" sz="1600" dirty="0">
+                <a:latin typeface="Courier New" pitchFamily="49" charset="0"/>
+              </a:rPr>
+              <a:t>    Dup2(fd2, fd3);</a:t>
+            </a:r>
+          </a:p>
+          <a:p>
+            <a:r>
+              <a:rPr lang="en-US" sz="1600" dirty="0">
+                <a:latin typeface="Courier New" pitchFamily="49" charset="0"/>
+              </a:rPr>
+              <a:t>    Read(fd1, &amp;c1, 1);</a:t>
+            </a:r>
+          </a:p>
+          <a:p>
+            <a:r>
+              <a:rPr lang="en-US" sz="1600" dirty="0">
+                <a:latin typeface="Courier New" pitchFamily="49" charset="0"/>
+              </a:rPr>
+              <a:t>    Read(fd2, &amp;c2, 1);</a:t>
+            </a:r>
+          </a:p>
+          <a:p>
+            <a:r>
+              <a:rPr lang="en-US" sz="1600" dirty="0">
+                <a:latin typeface="Courier New" pitchFamily="49" charset="0"/>
+              </a:rPr>
+              <a:t>    Read(fd3, &amp;c3, 1);</a:t>
+            </a:r>
+          </a:p>
+          <a:p>
+            <a:r>
+              <a:rPr lang="en-US" sz="1600" dirty="0">
+                <a:latin typeface="Courier New" pitchFamily="49" charset="0"/>
+              </a:rPr>
+              <a:t>    printf("c1 = %c, c2 = %c, c3 = %c\n", c1, c2, c3);</a:t>
+            </a:r>
+          </a:p>
+          <a:p>
+            <a:r>
+              <a:rPr lang="en-US" sz="1600" dirty="0">
+                <a:latin typeface="Courier New" pitchFamily="49" charset="0"/>
+              </a:rPr>
+              <a:t>    return 0;</a:t>
+            </a:r>
+          </a:p>
+          <a:p>
+            <a:r>
+              <a:rPr lang="en-US" sz="1600" dirty="0">
+                <a:latin typeface="Courier New" pitchFamily="49" charset="0"/>
+              </a:rPr>
+              <a:t>}</a:t>
+            </a:r>
+          </a:p>
+        </p:txBody>
+      </p:sp>
+      <p:sp>
+        <p:nvSpPr>
+          <p:cNvPr id="5" name="TextBox 4"/>
+          <p:cNvSpPr txBox="1"/>
+          <p:nvPr/>
+        </p:nvSpPr>
+        <p:spPr>
+          <a:xfrm>
+            <a:off x="5951988" y="4957941"/>
+            <a:ext cx="1431364" cy="369332"/>
+          </a:xfrm>
+          <a:prstGeom prst="rect">
+            <a:avLst/>
+          </a:prstGeom>
+          <a:noFill/>
+        </p:spPr>
+        <p:txBody>
+          <a:bodyPr wrap="none" rtlCol="0">
+            <a:spAutoFit/>
+          </a:bodyPr>
+          <a:lstStyle/>
+          <a:p>
+            <a:pPr algn="r"/>
+            <a:r>
+              <a:rPr lang="en-US" sz="1800" dirty="0" smtClean="0">
+                <a:solidFill>
+                  <a:schemeClr val="bg1">
+                    <a:lumMod val="50000"/>
+                  </a:schemeClr>
+                </a:solidFill>
+                <a:latin typeface="Courier New"/>
+                <a:cs typeface="Courier New"/>
+              </a:rPr>
+              <a:t>ffiles1.c</a:t>
+            </a:r>
+          </a:p>
+        </p:txBody>
+      </p:sp>
+    </p:spTree>
+    <p:extLst>
+      <p:ext uri="{BB962C8B-B14F-4D97-AF65-F5344CB8AC3E}">
+        <p14:creationId xmlns:p14="http://schemas.microsoft.com/office/powerpoint/2010/main" val="101692811"/>
+      </p:ext>
+    </p:extLst>
+  </p:cSld>
+  <p:clrMapOvr>
+    <a:masterClrMapping/>
+  </p:clrMapOvr>
+  <p:transition/>
+  <p:timing>
+    <p:tnLst>
+      <p:par>
+        <p:cTn id="1" dur="indefinite" restart="never" nodeType="tmRoot"/>
+      </p:par>
+    </p:tnLst>
+  </p:timing>
+</p:sld>
+</file>
+
+<file path=ppt/slides/slide55.xml><?xml version="1.0" encoding="utf-8"?>
+<p:sld xmlns:a="http://schemas.openxmlformats.org/drawingml/2006/main" xmlns:r="http://schemas.openxmlformats.org/officeDocument/2006/relationships" xmlns:p="http://schemas.openxmlformats.org/presentationml/2006/main">
+  <p:cSld>
+    <p:spTree>
+      <p:nvGrpSpPr>
+        <p:cNvPr id="1" name=""/>
+        <p:cNvGrpSpPr/>
+        <p:nvPr/>
+      </p:nvGrpSpPr>
+      <p:grpSpPr>
+        <a:xfrm>
+          <a:off x="0" y="0"/>
+          <a:ext cx="0" cy="0"/>
+          <a:chOff x="0" y="0"/>
+          <a:chExt cx="0" cy="0"/>
+        </a:xfrm>
+      </p:grpSpPr>
+      <p:sp>
+        <p:nvSpPr>
+          <p:cNvPr id="739330" name="Rectangle 2"/>
+          <p:cNvSpPr>
+            <a:spLocks noGrp="1" noChangeArrowheads="1"/>
+          </p:cNvSpPr>
+          <p:nvPr>
+            <p:ph type="title"/>
+          </p:nvPr>
+        </p:nvSpPr>
+        <p:spPr>
+          <a:xfrm>
+            <a:off x="357018" y="381000"/>
+            <a:ext cx="7592093" cy="762000"/>
+          </a:xfrm>
+        </p:spPr>
+        <p:txBody>
+          <a:bodyPr/>
+          <a:lstStyle/>
+          <a:p>
+            <a:r>
+              <a:rPr lang="en-US"/>
+              <a:t>Fun with File Descriptors (2)</a:t>
+            </a:r>
+          </a:p>
+        </p:txBody>
+      </p:sp>
+      <p:sp>
+        <p:nvSpPr>
+          <p:cNvPr id="739331" name="Rectangle 3"/>
+          <p:cNvSpPr>
+            <a:spLocks noGrp="1" noChangeArrowheads="1"/>
+          </p:cNvSpPr>
+          <p:nvPr>
+            <p:ph type="body" idx="1"/>
+          </p:nvPr>
+        </p:nvSpPr>
+        <p:spPr>
+          <a:xfrm>
+            <a:off x="371174" y="6248400"/>
+            <a:ext cx="8307388" cy="533400"/>
+          </a:xfrm>
+        </p:spPr>
+        <p:txBody>
+          <a:bodyPr/>
+          <a:lstStyle/>
+          <a:p>
+            <a:r>
+              <a:rPr lang="en-US" dirty="0"/>
+              <a:t>What would this program print for file containing “</a:t>
+            </a:r>
+            <a:r>
+              <a:rPr lang="en-US" dirty="0" err="1"/>
+              <a:t>abcde</a:t>
+            </a:r>
+            <a:r>
+              <a:rPr lang="en-US" dirty="0" smtClean="0"/>
+              <a:t>”?</a:t>
+            </a:r>
+            <a:endParaRPr lang="en-US" dirty="0"/>
+          </a:p>
+        </p:txBody>
+      </p:sp>
+      <p:sp>
+        <p:nvSpPr>
+          <p:cNvPr id="739332" name="Text Box 4"/>
+          <p:cNvSpPr txBox="1">
+            <a:spLocks noChangeArrowheads="1"/>
+          </p:cNvSpPr>
+          <p:nvPr/>
+        </p:nvSpPr>
+        <p:spPr bwMode="auto">
+          <a:xfrm>
+            <a:off x="481914" y="1155442"/>
+            <a:ext cx="6634188" cy="5016758"/>
+          </a:xfrm>
+          <a:prstGeom prst="rect">
+            <a:avLst/>
+          </a:prstGeom>
+          <a:solidFill>
+            <a:srgbClr val="F6F5BD"/>
+          </a:solidFill>
+          <a:ln w="12700">
+            <a:solidFill>
+              <a:schemeClr val="tx2"/>
+            </a:solidFill>
+            <a:miter lim="800000"/>
+            <a:headEnd/>
+            <a:tailEnd type="none" w="sm" len="sm"/>
+          </a:ln>
+          <a:effectLst/>
+        </p:spPr>
+        <p:txBody>
+          <a:bodyPr wrap="none" lIns="45720" rIns="45720">
+            <a:spAutoFit/>
+          </a:bodyPr>
+          <a:lstStyle/>
+          <a:p>
+            <a:r>
+              <a:rPr lang="en-US" sz="1600" dirty="0">
+                <a:latin typeface="Courier New" pitchFamily="49" charset="0"/>
+              </a:rPr>
+              <a:t>#include "csapp.h"</a:t>
+            </a:r>
+          </a:p>
+          <a:p>
+            <a:r>
+              <a:rPr lang="en-US" sz="1600" dirty="0">
+                <a:latin typeface="Courier New" pitchFamily="49" charset="0"/>
+              </a:rPr>
+              <a:t>int main(int argc, char *argv[])</a:t>
+            </a:r>
+          </a:p>
+          <a:p>
+            <a:r>
+              <a:rPr lang="en-US" sz="1600" dirty="0">
+                <a:latin typeface="Courier New" pitchFamily="49" charset="0"/>
+              </a:rPr>
+              <a:t>{</a:t>
+            </a:r>
+          </a:p>
+          <a:p>
+            <a:r>
+              <a:rPr lang="en-US" sz="1600" dirty="0">
+                <a:latin typeface="Courier New" pitchFamily="49" charset="0"/>
+              </a:rPr>
+              <a:t>    int fd1;</a:t>
+            </a:r>
+          </a:p>
+          <a:p>
+            <a:r>
+              <a:rPr lang="en-US" sz="1600" dirty="0">
+                <a:latin typeface="Courier New" pitchFamily="49" charset="0"/>
+              </a:rPr>
+              <a:t>    int s = getpid() &amp; 0x1;</a:t>
+            </a:r>
+          </a:p>
+          <a:p>
+            <a:r>
+              <a:rPr lang="en-US" sz="1600" dirty="0">
+                <a:latin typeface="Courier New" pitchFamily="49" charset="0"/>
+              </a:rPr>
+              <a:t>    char c1, c2;</a:t>
+            </a:r>
+          </a:p>
+          <a:p>
+            <a:r>
+              <a:rPr lang="en-US" sz="1600" dirty="0">
+                <a:latin typeface="Courier New" pitchFamily="49" charset="0"/>
+              </a:rPr>
+              <a:t>    char *fname = argv[1];</a:t>
+            </a:r>
+          </a:p>
+          <a:p>
+            <a:r>
+              <a:rPr lang="en-US" sz="1600" dirty="0">
+                <a:latin typeface="Courier New" pitchFamily="49" charset="0"/>
+              </a:rPr>
+              <a:t>    fd1 = Open(fname, O_RDONLY, 0);</a:t>
+            </a:r>
+          </a:p>
+          <a:p>
+            <a:r>
+              <a:rPr lang="en-US" sz="1600" dirty="0">
+                <a:latin typeface="Courier New" pitchFamily="49" charset="0"/>
+              </a:rPr>
+              <a:t>    Read(fd1, &amp;c1, 1);</a:t>
+            </a:r>
+          </a:p>
+          <a:p>
+            <a:r>
+              <a:rPr lang="en-US" sz="1600" dirty="0">
+                <a:latin typeface="Courier New" pitchFamily="49" charset="0"/>
+              </a:rPr>
+              <a:t>    if (fork()) </a:t>
+            </a:r>
+            <a:r>
+              <a:rPr lang="en-US" sz="1600" dirty="0" smtClean="0">
+                <a:latin typeface="Courier New" pitchFamily="49" charset="0"/>
+              </a:rPr>
+              <a:t>{ </a:t>
+            </a:r>
+            <a:r>
+              <a:rPr lang="en-US" sz="1600" dirty="0" smtClean="0">
+                <a:solidFill>
+                  <a:srgbClr val="990000"/>
+                </a:solidFill>
+                <a:latin typeface="Courier New" pitchFamily="49" charset="0"/>
+              </a:rPr>
+              <a:t>/* </a:t>
+            </a:r>
+            <a:r>
+              <a:rPr lang="en-US" sz="1600" dirty="0">
+                <a:solidFill>
+                  <a:srgbClr val="990000"/>
+                </a:solidFill>
+                <a:latin typeface="Courier New" pitchFamily="49" charset="0"/>
+              </a:rPr>
+              <a:t>Parent */</a:t>
+            </a:r>
+          </a:p>
+          <a:p>
+            <a:r>
+              <a:rPr lang="en-US" sz="1600" dirty="0">
+                <a:latin typeface="Courier New" pitchFamily="49" charset="0"/>
+              </a:rPr>
+              <a:t>        sleep(s);</a:t>
+            </a:r>
+          </a:p>
+          <a:p>
+            <a:r>
+              <a:rPr lang="en-US" sz="1600" dirty="0">
+                <a:latin typeface="Courier New" pitchFamily="49" charset="0"/>
+              </a:rPr>
+              <a:t>        Read(fd1, &amp;c2, 1);</a:t>
+            </a:r>
+          </a:p>
+          <a:p>
+            <a:r>
+              <a:rPr lang="en-US" sz="1600" dirty="0">
+                <a:latin typeface="Courier New" pitchFamily="49" charset="0"/>
+              </a:rPr>
+              <a:t>        printf("Parent: c1 = %c, c2 = %c\n", c1, c2);</a:t>
+            </a:r>
+          </a:p>
+          <a:p>
+            <a:r>
+              <a:rPr lang="en-US" sz="1600" dirty="0">
+                <a:latin typeface="Courier New" pitchFamily="49" charset="0"/>
+              </a:rPr>
+              <a:t>    } else </a:t>
+            </a:r>
+            <a:r>
+              <a:rPr lang="en-US" sz="1600" dirty="0" smtClean="0">
+                <a:latin typeface="Courier New" pitchFamily="49" charset="0"/>
+              </a:rPr>
+              <a:t>{ </a:t>
+            </a:r>
+            <a:r>
+              <a:rPr lang="en-US" sz="1600" dirty="0" smtClean="0">
+                <a:solidFill>
+                  <a:srgbClr val="990000"/>
+                </a:solidFill>
+                <a:latin typeface="Courier New" pitchFamily="49" charset="0"/>
+              </a:rPr>
+              <a:t>/* </a:t>
+            </a:r>
+            <a:r>
+              <a:rPr lang="en-US" sz="1600" dirty="0">
+                <a:solidFill>
+                  <a:srgbClr val="990000"/>
+                </a:solidFill>
+                <a:latin typeface="Courier New" pitchFamily="49" charset="0"/>
+              </a:rPr>
+              <a:t>Child */</a:t>
+            </a:r>
+          </a:p>
+          <a:p>
+            <a:r>
+              <a:rPr lang="en-US" sz="1600" dirty="0">
+                <a:latin typeface="Courier New" pitchFamily="49" charset="0"/>
+              </a:rPr>
+              <a:t>        sleep(1-s);</a:t>
+            </a:r>
+          </a:p>
+          <a:p>
+            <a:r>
+              <a:rPr lang="en-US" sz="1600" dirty="0">
+                <a:latin typeface="Courier New" pitchFamily="49" charset="0"/>
+              </a:rPr>
+              <a:t>        Read(fd1, &amp;c2, 1);</a:t>
+            </a:r>
+          </a:p>
+          <a:p>
+            <a:r>
+              <a:rPr lang="en-US" sz="1600" dirty="0">
+                <a:latin typeface="Courier New" pitchFamily="49" charset="0"/>
+              </a:rPr>
+              <a:t>        printf("Child: c1 = %c, c2 = %c\n", c1, c2);</a:t>
+            </a:r>
+          </a:p>
+          <a:p>
+            <a:r>
+              <a:rPr lang="en-US" sz="1600" dirty="0">
+                <a:latin typeface="Courier New" pitchFamily="49" charset="0"/>
+              </a:rPr>
+              <a:t>    }</a:t>
+            </a:r>
+          </a:p>
+          <a:p>
+            <a:r>
+              <a:rPr lang="en-US" sz="1600" dirty="0">
+                <a:latin typeface="Courier New" pitchFamily="49" charset="0"/>
+              </a:rPr>
+              <a:t>    return 0;</a:t>
+            </a:r>
+          </a:p>
+          <a:p>
+            <a:r>
+              <a:rPr lang="en-US" sz="1600" dirty="0">
+                <a:latin typeface="Courier New" pitchFamily="49" charset="0"/>
+              </a:rPr>
+              <a:t>}</a:t>
+            </a:r>
+          </a:p>
+        </p:txBody>
+      </p:sp>
+      <p:sp>
+        <p:nvSpPr>
+          <p:cNvPr id="5" name="TextBox 4"/>
+          <p:cNvSpPr txBox="1"/>
+          <p:nvPr/>
+        </p:nvSpPr>
+        <p:spPr>
+          <a:xfrm>
+            <a:off x="5684738" y="5802868"/>
+            <a:ext cx="1431364" cy="369332"/>
+          </a:xfrm>
+          <a:prstGeom prst="rect">
+            <a:avLst/>
+          </a:prstGeom>
+          <a:noFill/>
+        </p:spPr>
+        <p:txBody>
+          <a:bodyPr wrap="none" rtlCol="0">
+            <a:spAutoFit/>
+          </a:bodyPr>
+          <a:lstStyle/>
+          <a:p>
+            <a:pPr algn="r"/>
+            <a:r>
+              <a:rPr lang="en-US" sz="1800" dirty="0" smtClean="0">
+                <a:solidFill>
+                  <a:schemeClr val="bg1">
+                    <a:lumMod val="50000"/>
+                  </a:schemeClr>
+                </a:solidFill>
+                <a:latin typeface="Courier New"/>
+                <a:cs typeface="Courier New"/>
+              </a:rPr>
+              <a:t>ffiles2.c</a:t>
+            </a:r>
+          </a:p>
+        </p:txBody>
+      </p:sp>
+    </p:spTree>
+    <p:extLst>
+      <p:ext uri="{BB962C8B-B14F-4D97-AF65-F5344CB8AC3E}">
+        <p14:creationId xmlns:p14="http://schemas.microsoft.com/office/powerpoint/2010/main" val="2574950916"/>
+      </p:ext>
+    </p:extLst>
+  </p:cSld>
+  <p:clrMapOvr>
+    <a:masterClrMapping/>
+  </p:clrMapOvr>
+  <p:transition/>
+  <p:timing>
+    <p:tnLst>
+      <p:par>
+        <p:cTn id="1" dur="indefinite" restart="never" nodeType="tmRoot"/>
+      </p:par>
+    </p:tnLst>
+  </p:timing>
+</p:sld>
+</file>
+
+<file path=ppt/slides/slide56.xml><?xml version="1.0" encoding="utf-8"?>
+<p:sld xmlns:a="http://schemas.openxmlformats.org/drawingml/2006/main" xmlns:r="http://schemas.openxmlformats.org/officeDocument/2006/relationships" xmlns:p="http://schemas.openxmlformats.org/presentationml/2006/main">
+  <p:cSld>
+    <p:spTree>
+      <p:nvGrpSpPr>
+        <p:cNvPr id="1" name=""/>
+        <p:cNvGrpSpPr/>
+        <p:nvPr/>
+      </p:nvGrpSpPr>
+      <p:grpSpPr>
+        <a:xfrm>
+          <a:off x="0" y="0"/>
+          <a:ext cx="0" cy="0"/>
+          <a:chOff x="0" y="0"/>
+          <a:chExt cx="0" cy="0"/>
+        </a:xfrm>
+      </p:grpSpPr>
+      <p:sp>
+        <p:nvSpPr>
+          <p:cNvPr id="737282" name="Rectangle 2"/>
+          <p:cNvSpPr>
+            <a:spLocks noGrp="1" noChangeArrowheads="1"/>
+          </p:cNvSpPr>
+          <p:nvPr>
+            <p:ph type="title"/>
+          </p:nvPr>
+        </p:nvSpPr>
+        <p:spPr/>
+        <p:txBody>
+          <a:bodyPr/>
+          <a:lstStyle/>
+          <a:p>
+            <a:r>
+              <a:rPr lang="en-US"/>
+              <a:t>Fun with File Descriptors (3)</a:t>
+            </a:r>
+          </a:p>
+        </p:txBody>
+      </p:sp>
+      <p:sp>
+        <p:nvSpPr>
+          <p:cNvPr id="737283" name="Rectangle 3"/>
+          <p:cNvSpPr>
+            <a:spLocks noGrp="1" noChangeArrowheads="1"/>
+          </p:cNvSpPr>
+          <p:nvPr>
+            <p:ph type="body" idx="1"/>
+          </p:nvPr>
+        </p:nvSpPr>
+        <p:spPr>
+          <a:xfrm>
+            <a:off x="371174" y="5029200"/>
+            <a:ext cx="8307388" cy="533400"/>
+          </a:xfrm>
+        </p:spPr>
+        <p:txBody>
+          <a:bodyPr/>
+          <a:lstStyle/>
+          <a:p>
+            <a:r>
+              <a:rPr lang="en-US" dirty="0"/>
+              <a:t>What would be </a:t>
+            </a:r>
+            <a:r>
+              <a:rPr lang="en-US" dirty="0" smtClean="0"/>
+              <a:t>the contents </a:t>
+            </a:r>
+            <a:r>
+              <a:rPr lang="en-US" dirty="0"/>
+              <a:t>of </a:t>
+            </a:r>
+            <a:r>
+              <a:rPr lang="en-US" dirty="0" smtClean="0"/>
+              <a:t>the resulting </a:t>
+            </a:r>
+            <a:r>
+              <a:rPr lang="en-US" dirty="0"/>
+              <a:t>file?</a:t>
+            </a:r>
+          </a:p>
+          <a:p>
+            <a:endParaRPr lang="en-US" dirty="0"/>
+          </a:p>
+        </p:txBody>
+      </p:sp>
+      <p:sp>
+        <p:nvSpPr>
+          <p:cNvPr id="737284" name="Text Box 4"/>
+          <p:cNvSpPr txBox="1">
+            <a:spLocks noChangeArrowheads="1"/>
+          </p:cNvSpPr>
+          <p:nvPr/>
+        </p:nvSpPr>
+        <p:spPr bwMode="auto">
+          <a:xfrm>
+            <a:off x="473676" y="1261170"/>
+            <a:ext cx="7960834" cy="3539430"/>
+          </a:xfrm>
+          <a:prstGeom prst="rect">
+            <a:avLst/>
+          </a:prstGeom>
+          <a:solidFill>
+            <a:srgbClr val="F6F5BD"/>
+          </a:solidFill>
+          <a:ln w="12700">
+            <a:solidFill>
+              <a:schemeClr val="tx2"/>
+            </a:solidFill>
+            <a:miter lim="800000"/>
+            <a:headEnd/>
+            <a:tailEnd type="none" w="sm" len="sm"/>
+          </a:ln>
+          <a:effectLst/>
+        </p:spPr>
+        <p:txBody>
+          <a:bodyPr wrap="none" lIns="45720" rIns="45720">
+            <a:spAutoFit/>
+          </a:bodyPr>
+          <a:lstStyle/>
+          <a:p>
+            <a:r>
+              <a:rPr lang="en-US" sz="1600" dirty="0">
+                <a:latin typeface="Courier New" pitchFamily="49" charset="0"/>
+              </a:rPr>
+              <a:t>#include "csapp.h"</a:t>
+            </a:r>
+          </a:p>
+          <a:p>
+            <a:r>
+              <a:rPr lang="en-US" sz="1600" dirty="0">
+                <a:latin typeface="Courier New" pitchFamily="49" charset="0"/>
+              </a:rPr>
+              <a:t>int main(int argc, char *argv[])</a:t>
+            </a:r>
+          </a:p>
+          <a:p>
+            <a:r>
+              <a:rPr lang="en-US" sz="1600" dirty="0">
+                <a:latin typeface="Courier New" pitchFamily="49" charset="0"/>
+              </a:rPr>
+              <a:t>{</a:t>
+            </a:r>
+          </a:p>
+          <a:p>
+            <a:r>
+              <a:rPr lang="en-US" sz="1600" dirty="0">
+                <a:latin typeface="Courier New" pitchFamily="49" charset="0"/>
+              </a:rPr>
+              <a:t>    int fd1, fd2, fd3;</a:t>
+            </a:r>
+          </a:p>
+          <a:p>
+            <a:r>
+              <a:rPr lang="en-US" sz="1600" dirty="0">
+                <a:latin typeface="Courier New" pitchFamily="49" charset="0"/>
+              </a:rPr>
+              <a:t>    char *fname = argv[1];</a:t>
+            </a:r>
+          </a:p>
+          <a:p>
+            <a:r>
+              <a:rPr lang="en-US" sz="1600" dirty="0">
+                <a:latin typeface="Courier New" pitchFamily="49" charset="0"/>
+              </a:rPr>
+              <a:t>    fd1 = Open(fname, O_CREAT|O_TRUNC|O_RDWR, S_IRUSR|S_IWUSR);</a:t>
+            </a:r>
+          </a:p>
+          <a:p>
+            <a:r>
+              <a:rPr lang="en-US" sz="1600" dirty="0">
+                <a:latin typeface="Courier New" pitchFamily="49" charset="0"/>
+              </a:rPr>
+              <a:t>    Write(fd1, "pqrs", 4);</a:t>
+            </a:r>
+          </a:p>
+          <a:p>
+            <a:r>
+              <a:rPr lang="en-US" sz="1600" dirty="0">
+                <a:latin typeface="Courier New" pitchFamily="49" charset="0"/>
+              </a:rPr>
+              <a:t>    fd3 = Open(fname, O_APPEND|O_WRONLY, 0);</a:t>
+            </a:r>
+          </a:p>
+          <a:p>
+            <a:r>
+              <a:rPr lang="en-US" sz="1600" dirty="0">
+                <a:latin typeface="Courier New" pitchFamily="49" charset="0"/>
+              </a:rPr>
+              <a:t>    Write(fd3, "jklmn", 5);</a:t>
+            </a:r>
+          </a:p>
+          <a:p>
+            <a:r>
+              <a:rPr lang="en-US" sz="1600" dirty="0">
+                <a:latin typeface="Courier New" pitchFamily="49" charset="0"/>
+              </a:rPr>
+              <a:t>    fd2 = dup(fd1);  </a:t>
+            </a:r>
+            <a:r>
+              <a:rPr lang="en-US" sz="1600" dirty="0">
+                <a:solidFill>
+                  <a:srgbClr val="990000"/>
+                </a:solidFill>
+                <a:latin typeface="Courier New" pitchFamily="49" charset="0"/>
+              </a:rPr>
+              <a:t>/* Allocates descriptor */</a:t>
+            </a:r>
+          </a:p>
+          <a:p>
+            <a:r>
+              <a:rPr lang="en-US" sz="1600" dirty="0">
+                <a:latin typeface="Courier New" pitchFamily="49" charset="0"/>
+              </a:rPr>
+              <a:t>    Write(fd2, "wxyz", 4);</a:t>
+            </a:r>
+          </a:p>
+          <a:p>
+            <a:r>
+              <a:rPr lang="en-US" sz="1600" dirty="0">
+                <a:latin typeface="Courier New" pitchFamily="49" charset="0"/>
+              </a:rPr>
+              <a:t>    Write(fd3, "ef", 2);</a:t>
+            </a:r>
+          </a:p>
+          <a:p>
+            <a:r>
+              <a:rPr lang="en-US" sz="1600" dirty="0">
+                <a:latin typeface="Courier New" pitchFamily="49" charset="0"/>
+              </a:rPr>
+              <a:t>    return 0;</a:t>
+            </a:r>
+          </a:p>
+          <a:p>
+            <a:r>
+              <a:rPr lang="en-US" sz="1600" dirty="0">
+                <a:latin typeface="Courier New" pitchFamily="49" charset="0"/>
+              </a:rPr>
+              <a:t>}</a:t>
+            </a:r>
+          </a:p>
+        </p:txBody>
+      </p:sp>
+      <p:sp>
+        <p:nvSpPr>
+          <p:cNvPr id="5" name="TextBox 4"/>
+          <p:cNvSpPr txBox="1"/>
+          <p:nvPr/>
+        </p:nvSpPr>
+        <p:spPr>
+          <a:xfrm>
+            <a:off x="7003146" y="4431268"/>
+            <a:ext cx="1431364" cy="369332"/>
+          </a:xfrm>
+          <a:prstGeom prst="rect">
+            <a:avLst/>
+          </a:prstGeom>
+          <a:noFill/>
+        </p:spPr>
+        <p:txBody>
+          <a:bodyPr wrap="none" rtlCol="0">
+            <a:spAutoFit/>
+          </a:bodyPr>
+          <a:lstStyle/>
+          <a:p>
+            <a:pPr algn="r"/>
+            <a:r>
+              <a:rPr lang="en-US" sz="1800" dirty="0" smtClean="0">
+                <a:solidFill>
+                  <a:schemeClr val="bg1">
+                    <a:lumMod val="50000"/>
+                  </a:schemeClr>
+                </a:solidFill>
+                <a:latin typeface="Courier New"/>
+                <a:cs typeface="Courier New"/>
+              </a:rPr>
+              <a:t>ffiles3.c</a:t>
+            </a:r>
+          </a:p>
+        </p:txBody>
+      </p:sp>
+    </p:spTree>
+    <p:extLst>
+      <p:ext uri="{BB962C8B-B14F-4D97-AF65-F5344CB8AC3E}">
+        <p14:creationId xmlns:p14="http://schemas.microsoft.com/office/powerpoint/2010/main" val="498347468"/>
+      </p:ext>
+    </p:extLst>
+  </p:cSld>
+  <p:clrMapOvr>
+    <a:masterClrMapping/>
+  </p:clrMapOvr>
+  <p:transition/>
+  <p:timing>
+    <p:tnLst>
+      <p:par>
+        <p:cTn id="1" dur="indefinite" restart="never" nodeType="tmRoot"/>
+      </p:par>
+    </p:tnLst>
+  </p:timing>
+</p:sld>
+</file>
+
+<file path=ppt/slides/slide57.xml><?xml version="1.0" encoding="utf-8"?>
+<p:sld xmlns:a="http://schemas.openxmlformats.org/drawingml/2006/main" xmlns:r="http://schemas.openxmlformats.org/officeDocument/2006/relationships" xmlns:p="http://schemas.openxmlformats.org/presentationml/2006/main">
+  <p:cSld>
+    <p:spTree>
+      <p:nvGrpSpPr>
+        <p:cNvPr id="1" name=""/>
+        <p:cNvGrpSpPr/>
+        <p:nvPr/>
+      </p:nvGrpSpPr>
+      <p:grpSpPr>
+        <a:xfrm>
+          <a:off x="0" y="0"/>
+          <a:ext cx="0" cy="0"/>
+          <a:chOff x="0" y="0"/>
+          <a:chExt cx="0" cy="0"/>
+        </a:xfrm>
+      </p:grpSpPr>
+      <p:sp>
+        <p:nvSpPr>
           <p:cNvPr id="685058" name="Rectangle 2"/>
           <p:cNvSpPr>
             <a:spLocks noGrp="1" noChangeArrowheads="1"/>
@@ -46864,7 +48064,7 @@
 </p:sld>
 </file>
 
-<file path=ppt/slides/slide55.xml><?xml version="1.0" encoding="utf-8"?>
+<file path=ppt/slides/slide58.xml><?xml version="1.0" encoding="utf-8"?>
 <p:sld xmlns:a="http://schemas.openxmlformats.org/drawingml/2006/main" xmlns:r="http://schemas.openxmlformats.org/officeDocument/2006/relationships" xmlns:p="http://schemas.openxmlformats.org/presentationml/2006/main">
   <p:cSld>
     <p:spTree>
@@ -49369,14 +50569,14 @@
           <a:effectLst/>
           <a:extLst>
             <a:ext uri="{909E8E84-426E-40dd-AFC4-6F175D3DCCD1}">
-              <a14:hiddenFill xmlns:a14="http://schemas.microsoft.com/office/drawing/2010/main" xmlns="">
+              <a14:hiddenFill xmlns="" xmlns:a14="http://schemas.microsoft.com/office/drawing/2010/main">
                 <a:solidFill>
                   <a:schemeClr val="bg1"/>
                 </a:solidFill>
               </a14:hiddenFill>
             </a:ext>
             <a:ext uri="{AF507438-7753-43e0-B8FC-AC1667EBCBE1}">
-              <a14:hiddenEffects xmlns:a14="http://schemas.microsoft.com/office/drawing/2010/main" xmlns="">
+              <a14:hiddenEffects xmlns="" xmlns:a14="http://schemas.microsoft.com/office/drawing/2010/main">
                 <a:effectLst>
                   <a:outerShdw blurRad="63500" dist="35921" dir="2700000" algn="ctr" rotWithShape="0">
                     <a:schemeClr val="bg2"/>
@@ -49417,14 +50617,14 @@
           <a:effectLst/>
           <a:extLst>
             <a:ext uri="{909E8E84-426E-40dd-AFC4-6F175D3DCCD1}">
-              <a14:hiddenFill xmlns:a14="http://schemas.microsoft.com/office/drawing/2010/main" xmlns="">
+              <a14:hiddenFill xmlns="" xmlns:a14="http://schemas.microsoft.com/office/drawing/2010/main">
                 <a:solidFill>
                   <a:schemeClr val="bg1"/>
                 </a:solidFill>
               </a14:hiddenFill>
             </a:ext>
             <a:ext uri="{AF507438-7753-43e0-B8FC-AC1667EBCBE1}">
-              <a14:hiddenEffects xmlns:a14="http://schemas.microsoft.com/office/drawing/2010/main" xmlns="">
+              <a14:hiddenEffects xmlns="" xmlns:a14="http://schemas.microsoft.com/office/drawing/2010/main">
                 <a:effectLst>
                   <a:outerShdw blurRad="63500" dist="35921" dir="2700000" algn="ctr" rotWithShape="0">
                     <a:schemeClr val="bg2"/>
@@ -49465,14 +50665,14 @@
           <a:effectLst/>
           <a:extLst>
             <a:ext uri="{909E8E84-426E-40dd-AFC4-6F175D3DCCD1}">
-              <a14:hiddenFill xmlns:a14="http://schemas.microsoft.com/office/drawing/2010/main" xmlns="">
+              <a14:hiddenFill xmlns="" xmlns:a14="http://schemas.microsoft.com/office/drawing/2010/main">
                 <a:solidFill>
                   <a:schemeClr val="bg1"/>
                 </a:solidFill>
               </a14:hiddenFill>
             </a:ext>
             <a:ext uri="{AF507438-7753-43e0-B8FC-AC1667EBCBE1}">
-              <a14:hiddenEffects xmlns:a14="http://schemas.microsoft.com/office/drawing/2010/main" xmlns="">
+              <a14:hiddenEffects xmlns="" xmlns:a14="http://schemas.microsoft.com/office/drawing/2010/main">
                 <a:effectLst>
                   <a:outerShdw blurRad="63500" dist="35921" dir="2700000" algn="ctr" rotWithShape="0">
                     <a:schemeClr val="bg2"/>
@@ -49513,14 +50713,14 @@
           <a:effectLst/>
           <a:extLst>
             <a:ext uri="{909E8E84-426E-40dd-AFC4-6F175D3DCCD1}">
-              <a14:hiddenFill xmlns:a14="http://schemas.microsoft.com/office/drawing/2010/main" xmlns="">
+              <a14:hiddenFill xmlns="" xmlns:a14="http://schemas.microsoft.com/office/drawing/2010/main">
                 <a:solidFill>
                   <a:schemeClr val="bg1"/>
                 </a:solidFill>
               </a14:hiddenFill>
             </a:ext>
             <a:ext uri="{AF507438-7753-43e0-B8FC-AC1667EBCBE1}">
-              <a14:hiddenEffects xmlns:a14="http://schemas.microsoft.com/office/drawing/2010/main" xmlns="">
+              <a14:hiddenEffects xmlns="" xmlns:a14="http://schemas.microsoft.com/office/drawing/2010/main">
                 <a:effectLst>
                   <a:outerShdw blurRad="63500" dist="35921" dir="2700000" algn="ctr" rotWithShape="0">
                     <a:schemeClr val="bg2"/>
@@ -49561,14 +50761,14 @@
           <a:effectLst/>
           <a:extLst>
             <a:ext uri="{909E8E84-426E-40dd-AFC4-6F175D3DCCD1}">
-              <a14:hiddenFill xmlns:a14="http://schemas.microsoft.com/office/drawing/2010/main" xmlns="">
+              <a14:hiddenFill xmlns="" xmlns:a14="http://schemas.microsoft.com/office/drawing/2010/main">
                 <a:solidFill>
                   <a:schemeClr val="bg1"/>
                 </a:solidFill>
               </a14:hiddenFill>
             </a:ext>
             <a:ext uri="{AF507438-7753-43e0-B8FC-AC1667EBCBE1}">
-              <a14:hiddenEffects xmlns:a14="http://schemas.microsoft.com/office/drawing/2010/main" xmlns="">
+              <a14:hiddenEffects xmlns="" xmlns:a14="http://schemas.microsoft.com/office/drawing/2010/main">
                 <a:effectLst>
                   <a:outerShdw blurRad="63500" dist="35921" dir="2700000" algn="ctr" rotWithShape="0">
                     <a:schemeClr val="bg2"/>
@@ -49609,14 +50809,14 @@
           <a:effectLst/>
           <a:extLst>
             <a:ext uri="{909E8E84-426E-40dd-AFC4-6F175D3DCCD1}">
-              <a14:hiddenFill xmlns:a14="http://schemas.microsoft.com/office/drawing/2010/main" xmlns="">
+              <a14:hiddenFill xmlns="" xmlns:a14="http://schemas.microsoft.com/office/drawing/2010/main">
                 <a:solidFill>
                   <a:schemeClr val="bg1"/>
                 </a:solidFill>
               </a14:hiddenFill>
             </a:ext>
             <a:ext uri="{AF507438-7753-43e0-B8FC-AC1667EBCBE1}">
-              <a14:hiddenEffects xmlns:a14="http://schemas.microsoft.com/office/drawing/2010/main" xmlns="">
+              <a14:hiddenEffects xmlns="" xmlns:a14="http://schemas.microsoft.com/office/drawing/2010/main">
                 <a:effectLst>
                   <a:outerShdw blurRad="63500" dist="35921" dir="2700000" algn="ctr" rotWithShape="0">
                     <a:schemeClr val="bg2"/>
@@ -49657,14 +50857,14 @@
           <a:effectLst/>
           <a:extLst>
             <a:ext uri="{909E8E84-426E-40dd-AFC4-6F175D3DCCD1}">
-              <a14:hiddenFill xmlns:a14="http://schemas.microsoft.com/office/drawing/2010/main" xmlns="">
+              <a14:hiddenFill xmlns="" xmlns:a14="http://schemas.microsoft.com/office/drawing/2010/main">
                 <a:solidFill>
                   <a:schemeClr val="bg1"/>
                 </a:solidFill>
               </a14:hiddenFill>
             </a:ext>
             <a:ext uri="{AF507438-7753-43e0-B8FC-AC1667EBCBE1}">
-              <a14:hiddenEffects xmlns:a14="http://schemas.microsoft.com/office/drawing/2010/main" xmlns="">
+              <a14:hiddenEffects xmlns="" xmlns:a14="http://schemas.microsoft.com/office/drawing/2010/main">
                 <a:effectLst>
                   <a:outerShdw blurRad="63500" dist="35921" dir="2700000" algn="ctr" rotWithShape="0">
                     <a:schemeClr val="bg2"/>
@@ -49704,14 +50904,14 @@
           <a:effectLst/>
           <a:extLst>
             <a:ext uri="{909E8E84-426E-40dd-AFC4-6F175D3DCCD1}">
-              <a14:hiddenFill xmlns:a14="http://schemas.microsoft.com/office/drawing/2010/main" xmlns="">
+              <a14:hiddenFill xmlns="" xmlns:a14="http://schemas.microsoft.com/office/drawing/2010/main">
                 <a:solidFill>
                   <a:schemeClr val="bg1"/>
                 </a:solidFill>
               </a14:hiddenFill>
             </a:ext>
             <a:ext uri="{AF507438-7753-43e0-B8FC-AC1667EBCBE1}">
-              <a14:hiddenEffects xmlns:a14="http://schemas.microsoft.com/office/drawing/2010/main" xmlns="">
+              <a14:hiddenEffects xmlns="" xmlns:a14="http://schemas.microsoft.com/office/drawing/2010/main">
                 <a:effectLst>
                   <a:outerShdw blurRad="63500" dist="35921" dir="2700000" algn="ctr" rotWithShape="0">
                     <a:schemeClr val="bg2"/>
@@ -49752,14 +50952,14 @@
           <a:effectLst/>
           <a:extLst>
             <a:ext uri="{909E8E84-426E-40dd-AFC4-6F175D3DCCD1}">
-              <a14:hiddenFill xmlns:a14="http://schemas.microsoft.com/office/drawing/2010/main" xmlns="">
+              <a14:hiddenFill xmlns="" xmlns:a14="http://schemas.microsoft.com/office/drawing/2010/main">
                 <a:solidFill>
                   <a:schemeClr val="bg1"/>
                 </a:solidFill>
               </a14:hiddenFill>
             </a:ext>
             <a:ext uri="{AF507438-7753-43e0-B8FC-AC1667EBCBE1}">
-              <a14:hiddenEffects xmlns:a14="http://schemas.microsoft.com/office/drawing/2010/main" xmlns="">
+              <a14:hiddenEffects xmlns="" xmlns:a14="http://schemas.microsoft.com/office/drawing/2010/main">
                 <a:effectLst>
                   <a:outerShdw blurRad="63500" dist="35921" dir="2700000" algn="ctr" rotWithShape="0">
                     <a:schemeClr val="bg2"/>
@@ -49800,14 +51000,14 @@
           <a:effectLst/>
           <a:extLst>
             <a:ext uri="{909E8E84-426E-40dd-AFC4-6F175D3DCCD1}">
-              <a14:hiddenFill xmlns:a14="http://schemas.microsoft.com/office/drawing/2010/main" xmlns="">
+              <a14:hiddenFill xmlns="" xmlns:a14="http://schemas.microsoft.com/office/drawing/2010/main">
                 <a:solidFill>
                   <a:schemeClr val="bg1"/>
                 </a:solidFill>
               </a14:hiddenFill>
             </a:ext>
             <a:ext uri="{AF507438-7753-43e0-B8FC-AC1667EBCBE1}">
-              <a14:hiddenEffects xmlns:a14="http://schemas.microsoft.com/office/drawing/2010/main" xmlns="">
+              <a14:hiddenEffects xmlns="" xmlns:a14="http://schemas.microsoft.com/office/drawing/2010/main">
                 <a:effectLst>
                   <a:outerShdw blurRad="63500" dist="35921" dir="2700000" algn="ctr" rotWithShape="0">
                     <a:schemeClr val="bg2"/>
@@ -49848,14 +51048,14 @@
           <a:effectLst/>
           <a:extLst>
             <a:ext uri="{909E8E84-426E-40dd-AFC4-6F175D3DCCD1}">
-              <a14:hiddenFill xmlns:a14="http://schemas.microsoft.com/office/drawing/2010/main" xmlns="">
+              <a14:hiddenFill xmlns="" xmlns:a14="http://schemas.microsoft.com/office/drawing/2010/main">
                 <a:solidFill>
                   <a:schemeClr val="bg1"/>
                 </a:solidFill>
               </a14:hiddenFill>
             </a:ext>
             <a:ext uri="{AF507438-7753-43e0-B8FC-AC1667EBCBE1}">
-              <a14:hiddenEffects xmlns:a14="http://schemas.microsoft.com/office/drawing/2010/main" xmlns="">
+              <a14:hiddenEffects xmlns="" xmlns:a14="http://schemas.microsoft.com/office/drawing/2010/main">
                 <a:effectLst>
                   <a:outerShdw blurRad="63500" dist="35921" dir="2700000" algn="ctr" rotWithShape="0">
                     <a:schemeClr val="bg2"/>
@@ -49896,14 +51096,14 @@
           <a:effectLst/>
           <a:extLst>
             <a:ext uri="{909E8E84-426E-40dd-AFC4-6F175D3DCCD1}">
-              <a14:hiddenFill xmlns:a14="http://schemas.microsoft.com/office/drawing/2010/main" xmlns="">
+              <a14:hiddenFill xmlns="" xmlns:a14="http://schemas.microsoft.com/office/drawing/2010/main">
                 <a:solidFill>
                   <a:schemeClr val="bg1"/>
                 </a:solidFill>
               </a14:hiddenFill>
             </a:ext>
             <a:ext uri="{AF507438-7753-43e0-B8FC-AC1667EBCBE1}">
-              <a14:hiddenEffects xmlns:a14="http://schemas.microsoft.com/office/drawing/2010/main" xmlns="">
+              <a14:hiddenEffects xmlns="" xmlns:a14="http://schemas.microsoft.com/office/drawing/2010/main">
                 <a:effectLst>
                   <a:outerShdw blurRad="63500" dist="35921" dir="2700000" algn="ctr" rotWithShape="0">
                     <a:schemeClr val="bg2"/>
@@ -49944,14 +51144,14 @@
           <a:effectLst/>
           <a:extLst>
             <a:ext uri="{909E8E84-426E-40dd-AFC4-6F175D3DCCD1}">
-              <a14:hiddenFill xmlns:a14="http://schemas.microsoft.com/office/drawing/2010/main" xmlns="">
+              <a14:hiddenFill xmlns="" xmlns:a14="http://schemas.microsoft.com/office/drawing/2010/main">
                 <a:solidFill>
                   <a:schemeClr val="bg1"/>
                 </a:solidFill>
               </a14:hiddenFill>
             </a:ext>
             <a:ext uri="{AF507438-7753-43e0-B8FC-AC1667EBCBE1}">
-              <a14:hiddenEffects xmlns:a14="http://schemas.microsoft.com/office/drawing/2010/main" xmlns="">
+              <a14:hiddenEffects xmlns="" xmlns:a14="http://schemas.microsoft.com/office/drawing/2010/main">
                 <a:effectLst>
                   <a:outerShdw blurRad="63500" dist="35921" dir="2700000" algn="ctr" rotWithShape="0">
                     <a:schemeClr val="bg2"/>
@@ -49992,14 +51192,14 @@
           <a:effectLst/>
           <a:extLst>
             <a:ext uri="{909E8E84-426E-40dd-AFC4-6F175D3DCCD1}">
-              <a14:hiddenFill xmlns:a14="http://schemas.microsoft.com/office/drawing/2010/main" xmlns="">
+              <a14:hiddenFill xmlns="" xmlns:a14="http://schemas.microsoft.com/office/drawing/2010/main">
                 <a:solidFill>
                   <a:schemeClr val="bg1"/>
                 </a:solidFill>
               </a14:hiddenFill>
             </a:ext>
             <a:ext uri="{AF507438-7753-43e0-B8FC-AC1667EBCBE1}">
-              <a14:hiddenEffects xmlns:a14="http://schemas.microsoft.com/office/drawing/2010/main" xmlns="">
+              <a14:hiddenEffects xmlns="" xmlns:a14="http://schemas.microsoft.com/office/drawing/2010/main">
                 <a:effectLst>
                   <a:outerShdw blurRad="63500" dist="35921" dir="2700000" algn="ctr" rotWithShape="0">
                     <a:schemeClr val="bg2"/>
@@ -50040,14 +51240,14 @@
           <a:effectLst/>
           <a:extLst>
             <a:ext uri="{909E8E84-426E-40dd-AFC4-6F175D3DCCD1}">
-              <a14:hiddenFill xmlns:a14="http://schemas.microsoft.com/office/drawing/2010/main" xmlns="">
+              <a14:hiddenFill xmlns="" xmlns:a14="http://schemas.microsoft.com/office/drawing/2010/main">
                 <a:solidFill>
                   <a:schemeClr val="bg1"/>
                 </a:solidFill>
               </a14:hiddenFill>
             </a:ext>
             <a:ext uri="{AF507438-7753-43e0-B8FC-AC1667EBCBE1}">
-              <a14:hiddenEffects xmlns:a14="http://schemas.microsoft.com/office/drawing/2010/main" xmlns="">
+              <a14:hiddenEffects xmlns="" xmlns:a14="http://schemas.microsoft.com/office/drawing/2010/main">
                 <a:effectLst>
                   <a:outerShdw blurRad="63500" dist="35921" dir="2700000" algn="ctr" rotWithShape="0">
                     <a:schemeClr val="bg2"/>
@@ -50088,14 +51288,14 @@
           <a:effectLst/>
           <a:extLst>
             <a:ext uri="{909E8E84-426E-40dd-AFC4-6F175D3DCCD1}">
-              <a14:hiddenFill xmlns:a14="http://schemas.microsoft.com/office/drawing/2010/main" xmlns="">
+              <a14:hiddenFill xmlns="" xmlns:a14="http://schemas.microsoft.com/office/drawing/2010/main">
                 <a:solidFill>
                   <a:schemeClr val="bg1"/>
                 </a:solidFill>
               </a14:hiddenFill>
             </a:ext>
             <a:ext uri="{AF507438-7753-43e0-B8FC-AC1667EBCBE1}">
-              <a14:hiddenEffects xmlns:a14="http://schemas.microsoft.com/office/drawing/2010/main" xmlns="">
+              <a14:hiddenEffects xmlns="" xmlns:a14="http://schemas.microsoft.com/office/drawing/2010/main">
                 <a:effectLst>
                   <a:outerShdw blurRad="63500" dist="35921" dir="2700000" algn="ctr" rotWithShape="0">
                     <a:schemeClr val="bg2"/>
@@ -50136,14 +51336,14 @@
           <a:effectLst/>
           <a:extLst>
             <a:ext uri="{909E8E84-426E-40dd-AFC4-6F175D3DCCD1}">
-              <a14:hiddenFill xmlns:a14="http://schemas.microsoft.com/office/drawing/2010/main" xmlns="">
+              <a14:hiddenFill xmlns="" xmlns:a14="http://schemas.microsoft.com/office/drawing/2010/main">
                 <a:solidFill>
                   <a:schemeClr val="bg1"/>
                 </a:solidFill>
               </a14:hiddenFill>
             </a:ext>
             <a:ext uri="{AF507438-7753-43e0-B8FC-AC1667EBCBE1}">
-              <a14:hiddenEffects xmlns:a14="http://schemas.microsoft.com/office/drawing/2010/main" xmlns="">
+              <a14:hiddenEffects xmlns="" xmlns:a14="http://schemas.microsoft.com/office/drawing/2010/main">
                 <a:effectLst>
                   <a:outerShdw blurRad="63500" dist="35921" dir="2700000" algn="ctr" rotWithShape="0">
                     <a:schemeClr val="bg2"/>
@@ -50184,14 +51384,14 @@
           <a:effectLst/>
           <a:extLst>
             <a:ext uri="{909E8E84-426E-40dd-AFC4-6F175D3DCCD1}">
-              <a14:hiddenFill xmlns:a14="http://schemas.microsoft.com/office/drawing/2010/main" xmlns="">
+              <a14:hiddenFill xmlns="" xmlns:a14="http://schemas.microsoft.com/office/drawing/2010/main">
                 <a:solidFill>
                   <a:schemeClr val="bg1"/>
                 </a:solidFill>
               </a14:hiddenFill>
             </a:ext>
             <a:ext uri="{AF507438-7753-43e0-B8FC-AC1667EBCBE1}">
-              <a14:hiddenEffects xmlns:a14="http://schemas.microsoft.com/office/drawing/2010/main" xmlns="">
+              <a14:hiddenEffects xmlns="" xmlns:a14="http://schemas.microsoft.com/office/drawing/2010/main">
                 <a:effectLst>
                   <a:outerShdw blurRad="63500" dist="35921" dir="2700000" algn="ctr" rotWithShape="0">
                     <a:schemeClr val="bg2"/>
